--- a/demo-app/design/icon-template.pptx
+++ b/demo-app/design/icon-template.pptx
@@ -6,6 +6,7 @@
   </p:sldMasterIdLst>
   <p:sldIdLst>
     <p:sldId id="256" r:id="rId2"/>
+    <p:sldId id="257" r:id="rId3"/>
   </p:sldIdLst>
   <p:sldSz cx="8999538" cy="8999538"/>
   <p:notesSz cx="6858000" cy="9144000"/>
@@ -106,7 +107,7 @@
   </p:defaultTextStyle>
   <p:extLst>
     <p:ext uri="{EFAFB233-063F-42B5-8137-9DF3F51BA10A}">
-      <p15:sldGuideLst xmlns:p15="http://schemas.microsoft.com/office/powerpoint/2012/main"/>
+      <p15:sldGuideLst xmlns:p15="http://schemas.microsoft.com/office/powerpoint/2012/main" xmlns=""/>
     </p:ext>
   </p:extLst>
 </p:presentation>
@@ -243,7 +244,7 @@
           <a:p>
             <a:fld id="{3C8D21C9-6065-4506-8F9A-70A9BB6917CD}" type="datetimeFigureOut">
               <a:rPr lang="de-DE" smtClean="0"/>
-              <a:t>04.02.2017</a:t>
+              <a:t>28.02.2017</a:t>
             </a:fld>
             <a:endParaRPr lang="de-DE"/>
           </a:p>
@@ -285,7 +286,7 @@
           <a:p>
             <a:fld id="{71D19CC4-DE5F-4A9F-AD84-A568E8512C5E}" type="slidenum">
               <a:rPr lang="de-DE" smtClean="0"/>
-              <a:t>‹Nr.›</a:t>
+              <a:t>‹#›</a:t>
             </a:fld>
             <a:endParaRPr lang="de-DE"/>
           </a:p>
@@ -413,7 +414,7 @@
           <a:p>
             <a:fld id="{3C8D21C9-6065-4506-8F9A-70A9BB6917CD}" type="datetimeFigureOut">
               <a:rPr lang="de-DE" smtClean="0"/>
-              <a:t>04.02.2017</a:t>
+              <a:t>28.02.2017</a:t>
             </a:fld>
             <a:endParaRPr lang="de-DE"/>
           </a:p>
@@ -455,7 +456,7 @@
           <a:p>
             <a:fld id="{71D19CC4-DE5F-4A9F-AD84-A568E8512C5E}" type="slidenum">
               <a:rPr lang="de-DE" smtClean="0"/>
-              <a:t>‹Nr.›</a:t>
+              <a:t>‹#›</a:t>
             </a:fld>
             <a:endParaRPr lang="de-DE"/>
           </a:p>
@@ -593,7 +594,7 @@
           <a:p>
             <a:fld id="{3C8D21C9-6065-4506-8F9A-70A9BB6917CD}" type="datetimeFigureOut">
               <a:rPr lang="de-DE" smtClean="0"/>
-              <a:t>04.02.2017</a:t>
+              <a:t>28.02.2017</a:t>
             </a:fld>
             <a:endParaRPr lang="de-DE"/>
           </a:p>
@@ -635,7 +636,7 @@
           <a:p>
             <a:fld id="{71D19CC4-DE5F-4A9F-AD84-A568E8512C5E}" type="slidenum">
               <a:rPr lang="de-DE" smtClean="0"/>
-              <a:t>‹Nr.›</a:t>
+              <a:t>‹#›</a:t>
             </a:fld>
             <a:endParaRPr lang="de-DE"/>
           </a:p>
@@ -763,7 +764,7 @@
           <a:p>
             <a:fld id="{3C8D21C9-6065-4506-8F9A-70A9BB6917CD}" type="datetimeFigureOut">
               <a:rPr lang="de-DE" smtClean="0"/>
-              <a:t>04.02.2017</a:t>
+              <a:t>28.02.2017</a:t>
             </a:fld>
             <a:endParaRPr lang="de-DE"/>
           </a:p>
@@ -805,7 +806,7 @@
           <a:p>
             <a:fld id="{71D19CC4-DE5F-4A9F-AD84-A568E8512C5E}" type="slidenum">
               <a:rPr lang="de-DE" smtClean="0"/>
-              <a:t>‹Nr.›</a:t>
+              <a:t>‹#›</a:t>
             </a:fld>
             <a:endParaRPr lang="de-DE"/>
           </a:p>
@@ -1007,7 +1008,7 @@
           <a:p>
             <a:fld id="{3C8D21C9-6065-4506-8F9A-70A9BB6917CD}" type="datetimeFigureOut">
               <a:rPr lang="de-DE" smtClean="0"/>
-              <a:t>04.02.2017</a:t>
+              <a:t>28.02.2017</a:t>
             </a:fld>
             <a:endParaRPr lang="de-DE"/>
           </a:p>
@@ -1049,7 +1050,7 @@
           <a:p>
             <a:fld id="{71D19CC4-DE5F-4A9F-AD84-A568E8512C5E}" type="slidenum">
               <a:rPr lang="de-DE" smtClean="0"/>
-              <a:t>‹Nr.›</a:t>
+              <a:t>‹#›</a:t>
             </a:fld>
             <a:endParaRPr lang="de-DE"/>
           </a:p>
@@ -1239,7 +1240,7 @@
           <a:p>
             <a:fld id="{3C8D21C9-6065-4506-8F9A-70A9BB6917CD}" type="datetimeFigureOut">
               <a:rPr lang="de-DE" smtClean="0"/>
-              <a:t>04.02.2017</a:t>
+              <a:t>28.02.2017</a:t>
             </a:fld>
             <a:endParaRPr lang="de-DE"/>
           </a:p>
@@ -1281,7 +1282,7 @@
           <a:p>
             <a:fld id="{71D19CC4-DE5F-4A9F-AD84-A568E8512C5E}" type="slidenum">
               <a:rPr lang="de-DE" smtClean="0"/>
-              <a:t>‹Nr.›</a:t>
+              <a:t>‹#›</a:t>
             </a:fld>
             <a:endParaRPr lang="de-DE"/>
           </a:p>
@@ -1606,7 +1607,7 @@
           <a:p>
             <a:fld id="{3C8D21C9-6065-4506-8F9A-70A9BB6917CD}" type="datetimeFigureOut">
               <a:rPr lang="de-DE" smtClean="0"/>
-              <a:t>04.02.2017</a:t>
+              <a:t>28.02.2017</a:t>
             </a:fld>
             <a:endParaRPr lang="de-DE"/>
           </a:p>
@@ -1648,7 +1649,7 @@
           <a:p>
             <a:fld id="{71D19CC4-DE5F-4A9F-AD84-A568E8512C5E}" type="slidenum">
               <a:rPr lang="de-DE" smtClean="0"/>
-              <a:t>‹Nr.›</a:t>
+              <a:t>‹#›</a:t>
             </a:fld>
             <a:endParaRPr lang="de-DE"/>
           </a:p>
@@ -1724,7 +1725,7 @@
           <a:p>
             <a:fld id="{3C8D21C9-6065-4506-8F9A-70A9BB6917CD}" type="datetimeFigureOut">
               <a:rPr lang="de-DE" smtClean="0"/>
-              <a:t>04.02.2017</a:t>
+              <a:t>28.02.2017</a:t>
             </a:fld>
             <a:endParaRPr lang="de-DE"/>
           </a:p>
@@ -1766,7 +1767,7 @@
           <a:p>
             <a:fld id="{71D19CC4-DE5F-4A9F-AD84-A568E8512C5E}" type="slidenum">
               <a:rPr lang="de-DE" smtClean="0"/>
-              <a:t>‹Nr.›</a:t>
+              <a:t>‹#›</a:t>
             </a:fld>
             <a:endParaRPr lang="de-DE"/>
           </a:p>
@@ -1819,7 +1820,7 @@
           <a:p>
             <a:fld id="{3C8D21C9-6065-4506-8F9A-70A9BB6917CD}" type="datetimeFigureOut">
               <a:rPr lang="de-DE" smtClean="0"/>
-              <a:t>04.02.2017</a:t>
+              <a:t>28.02.2017</a:t>
             </a:fld>
             <a:endParaRPr lang="de-DE"/>
           </a:p>
@@ -1861,7 +1862,7 @@
           <a:p>
             <a:fld id="{71D19CC4-DE5F-4A9F-AD84-A568E8512C5E}" type="slidenum">
               <a:rPr lang="de-DE" smtClean="0"/>
-              <a:t>‹Nr.›</a:t>
+              <a:t>‹#›</a:t>
             </a:fld>
             <a:endParaRPr lang="de-DE"/>
           </a:p>
@@ -2096,7 +2097,7 @@
           <a:p>
             <a:fld id="{3C8D21C9-6065-4506-8F9A-70A9BB6917CD}" type="datetimeFigureOut">
               <a:rPr lang="de-DE" smtClean="0"/>
-              <a:t>04.02.2017</a:t>
+              <a:t>28.02.2017</a:t>
             </a:fld>
             <a:endParaRPr lang="de-DE"/>
           </a:p>
@@ -2138,7 +2139,7 @@
           <a:p>
             <a:fld id="{71D19CC4-DE5F-4A9F-AD84-A568E8512C5E}" type="slidenum">
               <a:rPr lang="de-DE" smtClean="0"/>
-              <a:t>‹Nr.›</a:t>
+              <a:t>‹#›</a:t>
             </a:fld>
             <a:endParaRPr lang="de-DE"/>
           </a:p>
@@ -2353,7 +2354,7 @@
           <a:p>
             <a:fld id="{3C8D21C9-6065-4506-8F9A-70A9BB6917CD}" type="datetimeFigureOut">
               <a:rPr lang="de-DE" smtClean="0"/>
-              <a:t>04.02.2017</a:t>
+              <a:t>28.02.2017</a:t>
             </a:fld>
             <a:endParaRPr lang="de-DE"/>
           </a:p>
@@ -2395,7 +2396,7 @@
           <a:p>
             <a:fld id="{71D19CC4-DE5F-4A9F-AD84-A568E8512C5E}" type="slidenum">
               <a:rPr lang="de-DE" smtClean="0"/>
-              <a:t>‹Nr.›</a:t>
+              <a:t>‹#›</a:t>
             </a:fld>
             <a:endParaRPr lang="de-DE"/>
           </a:p>
@@ -2566,7 +2567,7 @@
           <a:p>
             <a:fld id="{3C8D21C9-6065-4506-8F9A-70A9BB6917CD}" type="datetimeFigureOut">
               <a:rPr lang="de-DE" smtClean="0"/>
-              <a:t>04.02.2017</a:t>
+              <a:t>28.02.2017</a:t>
             </a:fld>
             <a:endParaRPr lang="de-DE"/>
           </a:p>
@@ -2644,7 +2645,7 @@
           <a:p>
             <a:fld id="{71D19CC4-DE5F-4A9F-AD84-A568E8512C5E}" type="slidenum">
               <a:rPr lang="de-DE" smtClean="0"/>
-              <a:t>‹Nr.›</a:t>
+              <a:t>‹#›</a:t>
             </a:fld>
             <a:endParaRPr lang="de-DE"/>
           </a:p>
@@ -4673,6 +4674,868 @@
 </p:sld>
 </file>
 
+<file path=ppt/slides/slide2.xml><?xml version="1.0" encoding="utf-8"?>
+<p:sld xmlns:a="http://schemas.openxmlformats.org/drawingml/2006/main" xmlns:r="http://schemas.openxmlformats.org/officeDocument/2006/relationships" xmlns:p="http://schemas.openxmlformats.org/presentationml/2006/main">
+  <p:cSld>
+    <p:spTree>
+      <p:nvGrpSpPr>
+        <p:cNvPr id="1" name=""/>
+        <p:cNvGrpSpPr/>
+        <p:nvPr/>
+      </p:nvGrpSpPr>
+      <p:grpSpPr>
+        <a:xfrm>
+          <a:off x="0" y="0"/>
+          <a:ext cx="0" cy="0"/>
+          <a:chOff x="0" y="0"/>
+          <a:chExt cx="0" cy="0"/>
+        </a:xfrm>
+      </p:grpSpPr>
+      <p:grpSp>
+        <p:nvGrpSpPr>
+          <p:cNvPr id="20" name="Gruppieren 19"/>
+          <p:cNvGrpSpPr/>
+          <p:nvPr/>
+        </p:nvGrpSpPr>
+        <p:grpSpPr>
+          <a:xfrm>
+            <a:off x="0" y="-1590"/>
+            <a:ext cx="8999538" cy="9001128"/>
+            <a:chOff x="0" y="-1590"/>
+            <a:chExt cx="8999538" cy="9001128"/>
+          </a:xfrm>
+        </p:grpSpPr>
+        <p:sp>
+          <p:nvSpPr>
+            <p:cNvPr id="21" name="Abgerundetes Rechteck 20"/>
+            <p:cNvSpPr/>
+            <p:nvPr/>
+          </p:nvSpPr>
+          <p:spPr>
+            <a:xfrm>
+              <a:off x="0" y="3181"/>
+              <a:ext cx="8999538" cy="8996357"/>
+            </a:xfrm>
+            <a:prstGeom prst="roundRect">
+              <a:avLst>
+                <a:gd name="adj" fmla="val 20959"/>
+              </a:avLst>
+            </a:prstGeom>
+            <a:solidFill>
+              <a:schemeClr val="accent1">
+                <a:lumMod val="20000"/>
+                <a:lumOff val="80000"/>
+              </a:schemeClr>
+            </a:solidFill>
+            <a:ln>
+              <a:noFill/>
+            </a:ln>
+          </p:spPr>
+          <p:style>
+            <a:lnRef idx="2">
+              <a:schemeClr val="accent2">
+                <a:shade val="50000"/>
+              </a:schemeClr>
+            </a:lnRef>
+            <a:fillRef idx="1">
+              <a:schemeClr val="accent2"/>
+            </a:fillRef>
+            <a:effectRef idx="0">
+              <a:schemeClr val="accent2"/>
+            </a:effectRef>
+            <a:fontRef idx="minor">
+              <a:schemeClr val="lt1"/>
+            </a:fontRef>
+          </p:style>
+          <p:txBody>
+            <a:bodyPr rot="0" spcFirstLastPara="0" vertOverflow="overflow" horzOverflow="overflow" vert="horz" wrap="square" lIns="457119" tIns="228560" rIns="457119" bIns="228560" numCol="1" spcCol="0" rtlCol="0" fromWordArt="0" anchor="ctr" anchorCtr="0" forceAA="0" compatLnSpc="1">
+              <a:prstTxWarp prst="textNoShape">
+                <a:avLst/>
+              </a:prstTxWarp>
+              <a:noAutofit/>
+            </a:bodyPr>
+            <a:lstStyle/>
+            <a:p>
+              <a:pPr algn="ctr"/>
+              <a:endParaRPr lang="de-DE" sz="17000"/>
+            </a:p>
+          </p:txBody>
+        </p:sp>
+        <p:sp>
+          <p:nvSpPr>
+            <p:cNvPr id="22" name="Abgerundetes Rechteck 21"/>
+            <p:cNvSpPr/>
+            <p:nvPr/>
+          </p:nvSpPr>
+          <p:spPr>
+            <a:xfrm>
+              <a:off x="588169" y="580719"/>
+              <a:ext cx="7823200" cy="7838100"/>
+            </a:xfrm>
+            <a:prstGeom prst="roundRect">
+              <a:avLst>
+                <a:gd name="adj" fmla="val 656"/>
+              </a:avLst>
+            </a:prstGeom>
+            <a:solidFill>
+              <a:schemeClr val="accent1">
+                <a:lumMod val="20000"/>
+                <a:lumOff val="80000"/>
+              </a:schemeClr>
+            </a:solidFill>
+            <a:ln w="38100">
+              <a:solidFill>
+                <a:schemeClr val="bg1"/>
+              </a:solidFill>
+            </a:ln>
+          </p:spPr>
+          <p:style>
+            <a:lnRef idx="2">
+              <a:schemeClr val="accent2">
+                <a:shade val="50000"/>
+              </a:schemeClr>
+            </a:lnRef>
+            <a:fillRef idx="1">
+              <a:schemeClr val="accent2"/>
+            </a:fillRef>
+            <a:effectRef idx="0">
+              <a:schemeClr val="accent2"/>
+            </a:effectRef>
+            <a:fontRef idx="minor">
+              <a:schemeClr val="lt1"/>
+            </a:fontRef>
+          </p:style>
+          <p:txBody>
+            <a:bodyPr rot="0" spcFirstLastPara="0" vertOverflow="overflow" horzOverflow="overflow" vert="horz" wrap="square" lIns="457119" tIns="228560" rIns="457119" bIns="228560" numCol="1" spcCol="0" rtlCol="0" fromWordArt="0" anchor="ctr" anchorCtr="0" forceAA="0" compatLnSpc="1">
+              <a:prstTxWarp prst="textNoShape">
+                <a:avLst/>
+              </a:prstTxWarp>
+              <a:noAutofit/>
+            </a:bodyPr>
+            <a:lstStyle/>
+            <a:p>
+              <a:pPr algn="ctr"/>
+              <a:endParaRPr lang="de-DE" sz="17000"/>
+            </a:p>
+          </p:txBody>
+        </p:sp>
+        <p:sp>
+          <p:nvSpPr>
+            <p:cNvPr id="23" name="Abgerundetes Rechteck 22"/>
+            <p:cNvSpPr/>
+            <p:nvPr/>
+          </p:nvSpPr>
+          <p:spPr>
+            <a:xfrm>
+              <a:off x="588169" y="580719"/>
+              <a:ext cx="7823200" cy="7838100"/>
+            </a:xfrm>
+            <a:prstGeom prst="roundRect">
+              <a:avLst>
+                <a:gd name="adj" fmla="val 50000"/>
+              </a:avLst>
+            </a:prstGeom>
+            <a:solidFill>
+              <a:schemeClr val="accent1">
+                <a:lumMod val="20000"/>
+                <a:lumOff val="80000"/>
+              </a:schemeClr>
+            </a:solidFill>
+            <a:ln w="38100">
+              <a:solidFill>
+                <a:schemeClr val="bg1"/>
+              </a:solidFill>
+            </a:ln>
+          </p:spPr>
+          <p:style>
+            <a:lnRef idx="2">
+              <a:schemeClr val="accent2">
+                <a:shade val="50000"/>
+              </a:schemeClr>
+            </a:lnRef>
+            <a:fillRef idx="1">
+              <a:schemeClr val="accent2"/>
+            </a:fillRef>
+            <a:effectRef idx="0">
+              <a:schemeClr val="accent2"/>
+            </a:effectRef>
+            <a:fontRef idx="minor">
+              <a:schemeClr val="lt1"/>
+            </a:fontRef>
+          </p:style>
+          <p:txBody>
+            <a:bodyPr rot="0" spcFirstLastPara="0" vertOverflow="overflow" horzOverflow="overflow" vert="horz" wrap="square" lIns="457119" tIns="228560" rIns="457119" bIns="228560" numCol="1" spcCol="0" rtlCol="0" fromWordArt="0" anchor="ctr" anchorCtr="0" forceAA="0" compatLnSpc="1">
+              <a:prstTxWarp prst="textNoShape">
+                <a:avLst/>
+              </a:prstTxWarp>
+              <a:noAutofit/>
+            </a:bodyPr>
+            <a:lstStyle/>
+            <a:p>
+              <a:pPr algn="ctr"/>
+              <a:endParaRPr lang="de-DE" sz="17000"/>
+            </a:p>
+          </p:txBody>
+        </p:sp>
+        <p:sp>
+          <p:nvSpPr>
+            <p:cNvPr id="24" name="Abgerundetes Rechteck 23"/>
+            <p:cNvSpPr/>
+            <p:nvPr/>
+          </p:nvSpPr>
+          <p:spPr>
+            <a:xfrm>
+              <a:off x="2159769" y="2159769"/>
+              <a:ext cx="4680000" cy="4680000"/>
+            </a:xfrm>
+            <a:prstGeom prst="roundRect">
+              <a:avLst>
+                <a:gd name="adj" fmla="val 50000"/>
+              </a:avLst>
+            </a:prstGeom>
+            <a:solidFill>
+              <a:schemeClr val="accent1">
+                <a:lumMod val="20000"/>
+                <a:lumOff val="80000"/>
+              </a:schemeClr>
+            </a:solidFill>
+            <a:ln w="38100">
+              <a:solidFill>
+                <a:schemeClr val="bg1"/>
+              </a:solidFill>
+            </a:ln>
+          </p:spPr>
+          <p:style>
+            <a:lnRef idx="2">
+              <a:schemeClr val="accent2">
+                <a:shade val="50000"/>
+              </a:schemeClr>
+            </a:lnRef>
+            <a:fillRef idx="1">
+              <a:schemeClr val="accent2"/>
+            </a:fillRef>
+            <a:effectRef idx="0">
+              <a:schemeClr val="accent2"/>
+            </a:effectRef>
+            <a:fontRef idx="minor">
+              <a:schemeClr val="lt1"/>
+            </a:fontRef>
+          </p:style>
+          <p:txBody>
+            <a:bodyPr rot="0" spcFirstLastPara="0" vertOverflow="overflow" horzOverflow="overflow" vert="horz" wrap="square" lIns="457119" tIns="228560" rIns="457119" bIns="228560" numCol="1" spcCol="0" rtlCol="0" fromWordArt="0" anchor="ctr" anchorCtr="0" forceAA="0" compatLnSpc="1">
+              <a:prstTxWarp prst="textNoShape">
+                <a:avLst/>
+              </a:prstTxWarp>
+              <a:noAutofit/>
+            </a:bodyPr>
+            <a:lstStyle/>
+            <a:p>
+              <a:pPr algn="ctr"/>
+              <a:endParaRPr lang="de-DE" sz="17000"/>
+            </a:p>
+          </p:txBody>
+        </p:sp>
+        <p:sp>
+          <p:nvSpPr>
+            <p:cNvPr id="28" name="Abgerundetes Rechteck 27"/>
+            <p:cNvSpPr/>
+            <p:nvPr/>
+          </p:nvSpPr>
+          <p:spPr>
+            <a:xfrm>
+              <a:off x="2159769" y="2159769"/>
+              <a:ext cx="4680000" cy="4680000"/>
+            </a:xfrm>
+            <a:prstGeom prst="roundRect">
+              <a:avLst>
+                <a:gd name="adj" fmla="val 0"/>
+              </a:avLst>
+            </a:prstGeom>
+            <a:solidFill>
+              <a:schemeClr val="accent1">
+                <a:lumMod val="20000"/>
+                <a:lumOff val="80000"/>
+              </a:schemeClr>
+            </a:solidFill>
+            <a:ln w="38100">
+              <a:solidFill>
+                <a:schemeClr val="bg1"/>
+              </a:solidFill>
+            </a:ln>
+          </p:spPr>
+          <p:style>
+            <a:lnRef idx="2">
+              <a:schemeClr val="accent2">
+                <a:shade val="50000"/>
+              </a:schemeClr>
+            </a:lnRef>
+            <a:fillRef idx="1">
+              <a:schemeClr val="accent2"/>
+            </a:fillRef>
+            <a:effectRef idx="0">
+              <a:schemeClr val="accent2"/>
+            </a:effectRef>
+            <a:fontRef idx="minor">
+              <a:schemeClr val="lt1"/>
+            </a:fontRef>
+          </p:style>
+          <p:txBody>
+            <a:bodyPr rot="0" spcFirstLastPara="0" vertOverflow="overflow" horzOverflow="overflow" vert="horz" wrap="square" lIns="457119" tIns="228560" rIns="457119" bIns="228560" numCol="1" spcCol="0" rtlCol="0" fromWordArt="0" anchor="ctr" anchorCtr="0" forceAA="0" compatLnSpc="1">
+              <a:prstTxWarp prst="textNoShape">
+                <a:avLst/>
+              </a:prstTxWarp>
+              <a:noAutofit/>
+            </a:bodyPr>
+            <a:lstStyle/>
+            <a:p>
+              <a:pPr algn="ctr"/>
+              <a:endParaRPr lang="de-DE" sz="17000"/>
+            </a:p>
+          </p:txBody>
+        </p:sp>
+        <p:sp>
+          <p:nvSpPr>
+            <p:cNvPr id="32" name="Abgerundetes Rechteck 31"/>
+            <p:cNvSpPr/>
+            <p:nvPr/>
+          </p:nvSpPr>
+          <p:spPr>
+            <a:xfrm>
+              <a:off x="2879769" y="2878179"/>
+              <a:ext cx="3240000" cy="3240000"/>
+            </a:xfrm>
+            <a:prstGeom prst="roundRect">
+              <a:avLst>
+                <a:gd name="adj" fmla="val 50000"/>
+              </a:avLst>
+            </a:prstGeom>
+            <a:solidFill>
+              <a:schemeClr val="accent1">
+                <a:lumMod val="20000"/>
+                <a:lumOff val="80000"/>
+              </a:schemeClr>
+            </a:solidFill>
+            <a:ln w="38100">
+              <a:solidFill>
+                <a:schemeClr val="bg1"/>
+              </a:solidFill>
+            </a:ln>
+          </p:spPr>
+          <p:style>
+            <a:lnRef idx="2">
+              <a:schemeClr val="accent2">
+                <a:shade val="50000"/>
+              </a:schemeClr>
+            </a:lnRef>
+            <a:fillRef idx="1">
+              <a:schemeClr val="accent2"/>
+            </a:fillRef>
+            <a:effectRef idx="0">
+              <a:schemeClr val="accent2"/>
+            </a:effectRef>
+            <a:fontRef idx="minor">
+              <a:schemeClr val="lt1"/>
+            </a:fontRef>
+          </p:style>
+          <p:txBody>
+            <a:bodyPr rot="0" spcFirstLastPara="0" vertOverflow="overflow" horzOverflow="overflow" vert="horz" wrap="square" lIns="457119" tIns="228560" rIns="457119" bIns="228560" numCol="1" spcCol="0" rtlCol="0" fromWordArt="0" anchor="ctr" anchorCtr="0" forceAA="0" compatLnSpc="1">
+              <a:prstTxWarp prst="textNoShape">
+                <a:avLst/>
+              </a:prstTxWarp>
+              <a:noAutofit/>
+            </a:bodyPr>
+            <a:lstStyle/>
+            <a:p>
+              <a:pPr algn="ctr"/>
+              <a:endParaRPr lang="de-DE" sz="17000"/>
+            </a:p>
+          </p:txBody>
+        </p:sp>
+        <p:cxnSp>
+          <p:nvCxnSpPr>
+            <p:cNvPr id="37" name="Gerader Verbinder 36"/>
+            <p:cNvCxnSpPr/>
+            <p:nvPr/>
+          </p:nvCxnSpPr>
+          <p:spPr>
+            <a:xfrm>
+              <a:off x="588169" y="580719"/>
+              <a:ext cx="7823200" cy="7838100"/>
+            </a:xfrm>
+            <a:prstGeom prst="line">
+              <a:avLst/>
+            </a:prstGeom>
+            <a:ln w="38100">
+              <a:solidFill>
+                <a:schemeClr val="bg1"/>
+              </a:solidFill>
+            </a:ln>
+          </p:spPr>
+          <p:style>
+            <a:lnRef idx="1">
+              <a:schemeClr val="accent1"/>
+            </a:lnRef>
+            <a:fillRef idx="0">
+              <a:schemeClr val="accent1"/>
+            </a:fillRef>
+            <a:effectRef idx="0">
+              <a:schemeClr val="accent1"/>
+            </a:effectRef>
+            <a:fontRef idx="minor">
+              <a:schemeClr val="tx1"/>
+            </a:fontRef>
+          </p:style>
+        </p:cxnSp>
+        <p:cxnSp>
+          <p:nvCxnSpPr>
+            <p:cNvPr id="38" name="Gerader Verbinder 37"/>
+            <p:cNvCxnSpPr/>
+            <p:nvPr/>
+          </p:nvCxnSpPr>
+          <p:spPr>
+            <a:xfrm flipH="1">
+              <a:off x="588169" y="580719"/>
+              <a:ext cx="7823201" cy="7838100"/>
+            </a:xfrm>
+            <a:prstGeom prst="line">
+              <a:avLst/>
+            </a:prstGeom>
+            <a:ln w="38100">
+              <a:solidFill>
+                <a:schemeClr val="bg1"/>
+              </a:solidFill>
+            </a:ln>
+          </p:spPr>
+          <p:style>
+            <a:lnRef idx="1">
+              <a:schemeClr val="accent1"/>
+            </a:lnRef>
+            <a:fillRef idx="0">
+              <a:schemeClr val="accent1"/>
+            </a:fillRef>
+            <a:effectRef idx="0">
+              <a:schemeClr val="accent1"/>
+            </a:effectRef>
+            <a:fontRef idx="minor">
+              <a:schemeClr val="tx1"/>
+            </a:fontRef>
+          </p:style>
+        </p:cxnSp>
+        <p:cxnSp>
+          <p:nvCxnSpPr>
+            <p:cNvPr id="39" name="Gerader Verbinder 38"/>
+            <p:cNvCxnSpPr/>
+            <p:nvPr/>
+          </p:nvCxnSpPr>
+          <p:spPr>
+            <a:xfrm>
+              <a:off x="2879769" y="0"/>
+              <a:ext cx="0" cy="8999538"/>
+            </a:xfrm>
+            <a:prstGeom prst="line">
+              <a:avLst/>
+            </a:prstGeom>
+            <a:ln w="38100">
+              <a:solidFill>
+                <a:schemeClr val="bg1"/>
+              </a:solidFill>
+            </a:ln>
+          </p:spPr>
+          <p:style>
+            <a:lnRef idx="1">
+              <a:schemeClr val="accent1"/>
+            </a:lnRef>
+            <a:fillRef idx="0">
+              <a:schemeClr val="accent1"/>
+            </a:fillRef>
+            <a:effectRef idx="0">
+              <a:schemeClr val="accent1"/>
+            </a:effectRef>
+            <a:fontRef idx="minor">
+              <a:schemeClr val="tx1"/>
+            </a:fontRef>
+          </p:style>
+        </p:cxnSp>
+        <p:cxnSp>
+          <p:nvCxnSpPr>
+            <p:cNvPr id="40" name="Gerader Verbinder 39"/>
+            <p:cNvCxnSpPr/>
+            <p:nvPr/>
+          </p:nvCxnSpPr>
+          <p:spPr>
+            <a:xfrm>
+              <a:off x="6119769" y="0"/>
+              <a:ext cx="0" cy="8999538"/>
+            </a:xfrm>
+            <a:prstGeom prst="line">
+              <a:avLst/>
+            </a:prstGeom>
+            <a:ln w="38100">
+              <a:solidFill>
+                <a:schemeClr val="bg1"/>
+              </a:solidFill>
+            </a:ln>
+          </p:spPr>
+          <p:style>
+            <a:lnRef idx="1">
+              <a:schemeClr val="accent1"/>
+            </a:lnRef>
+            <a:fillRef idx="0">
+              <a:schemeClr val="accent1"/>
+            </a:fillRef>
+            <a:effectRef idx="0">
+              <a:schemeClr val="accent1"/>
+            </a:effectRef>
+            <a:fontRef idx="minor">
+              <a:schemeClr val="tx1"/>
+            </a:fontRef>
+          </p:style>
+        </p:cxnSp>
+        <p:cxnSp>
+          <p:nvCxnSpPr>
+            <p:cNvPr id="41" name="Gerader Verbinder 40"/>
+            <p:cNvCxnSpPr/>
+            <p:nvPr/>
+          </p:nvCxnSpPr>
+          <p:spPr>
+            <a:xfrm rot="5400000">
+              <a:off x="4499769" y="-1620000"/>
+              <a:ext cx="0" cy="8999538"/>
+            </a:xfrm>
+            <a:prstGeom prst="line">
+              <a:avLst/>
+            </a:prstGeom>
+            <a:ln w="38100">
+              <a:solidFill>
+                <a:schemeClr val="bg1"/>
+              </a:solidFill>
+            </a:ln>
+          </p:spPr>
+          <p:style>
+            <a:lnRef idx="1">
+              <a:schemeClr val="accent1"/>
+            </a:lnRef>
+            <a:fillRef idx="0">
+              <a:schemeClr val="accent1"/>
+            </a:fillRef>
+            <a:effectRef idx="0">
+              <a:schemeClr val="accent1"/>
+            </a:effectRef>
+            <a:fontRef idx="minor">
+              <a:schemeClr val="tx1"/>
+            </a:fontRef>
+          </p:style>
+        </p:cxnSp>
+        <p:cxnSp>
+          <p:nvCxnSpPr>
+            <p:cNvPr id="42" name="Gerader Verbinder 41"/>
+            <p:cNvCxnSpPr/>
+            <p:nvPr/>
+          </p:nvCxnSpPr>
+          <p:spPr>
+            <a:xfrm rot="5400000">
+              <a:off x="4499769" y="1620000"/>
+              <a:ext cx="0" cy="8999538"/>
+            </a:xfrm>
+            <a:prstGeom prst="line">
+              <a:avLst/>
+            </a:prstGeom>
+            <a:ln w="38100">
+              <a:solidFill>
+                <a:schemeClr val="bg1"/>
+              </a:solidFill>
+            </a:ln>
+          </p:spPr>
+          <p:style>
+            <a:lnRef idx="1">
+              <a:schemeClr val="accent1"/>
+            </a:lnRef>
+            <a:fillRef idx="0">
+              <a:schemeClr val="accent1"/>
+            </a:fillRef>
+            <a:effectRef idx="0">
+              <a:schemeClr val="accent1"/>
+            </a:effectRef>
+            <a:fontRef idx="minor">
+              <a:schemeClr val="tx1"/>
+            </a:fontRef>
+          </p:style>
+        </p:cxnSp>
+        <p:cxnSp>
+          <p:nvCxnSpPr>
+            <p:cNvPr id="43" name="Gerader Verbinder 42"/>
+            <p:cNvCxnSpPr/>
+            <p:nvPr/>
+          </p:nvCxnSpPr>
+          <p:spPr>
+            <a:xfrm rot="5400000">
+              <a:off x="4499769" y="-2340000"/>
+              <a:ext cx="0" cy="8999538"/>
+            </a:xfrm>
+            <a:prstGeom prst="line">
+              <a:avLst/>
+            </a:prstGeom>
+            <a:ln w="38100">
+              <a:solidFill>
+                <a:schemeClr val="bg1"/>
+              </a:solidFill>
+            </a:ln>
+          </p:spPr>
+          <p:style>
+            <a:lnRef idx="1">
+              <a:schemeClr val="accent1"/>
+            </a:lnRef>
+            <a:fillRef idx="0">
+              <a:schemeClr val="accent1"/>
+            </a:fillRef>
+            <a:effectRef idx="0">
+              <a:schemeClr val="accent1"/>
+            </a:effectRef>
+            <a:fontRef idx="minor">
+              <a:schemeClr val="tx1"/>
+            </a:fontRef>
+          </p:style>
+        </p:cxnSp>
+        <p:cxnSp>
+          <p:nvCxnSpPr>
+            <p:cNvPr id="44" name="Gerader Verbinder 43"/>
+            <p:cNvCxnSpPr/>
+            <p:nvPr/>
+          </p:nvCxnSpPr>
+          <p:spPr>
+            <a:xfrm rot="5400000">
+              <a:off x="4499769" y="2324169"/>
+              <a:ext cx="0" cy="8999538"/>
+            </a:xfrm>
+            <a:prstGeom prst="line">
+              <a:avLst/>
+            </a:prstGeom>
+            <a:ln w="38100">
+              <a:solidFill>
+                <a:schemeClr val="bg1"/>
+              </a:solidFill>
+            </a:ln>
+          </p:spPr>
+          <p:style>
+            <a:lnRef idx="1">
+              <a:schemeClr val="accent1"/>
+            </a:lnRef>
+            <a:fillRef idx="0">
+              <a:schemeClr val="accent1"/>
+            </a:fillRef>
+            <a:effectRef idx="0">
+              <a:schemeClr val="accent1"/>
+            </a:effectRef>
+            <a:fontRef idx="minor">
+              <a:schemeClr val="tx1"/>
+            </a:fontRef>
+          </p:style>
+        </p:cxnSp>
+        <p:cxnSp>
+          <p:nvCxnSpPr>
+            <p:cNvPr id="45" name="Gerader Verbinder 44"/>
+            <p:cNvCxnSpPr/>
+            <p:nvPr/>
+          </p:nvCxnSpPr>
+          <p:spPr>
+            <a:xfrm>
+              <a:off x="6841767" y="0"/>
+              <a:ext cx="0" cy="8999538"/>
+            </a:xfrm>
+            <a:prstGeom prst="line">
+              <a:avLst/>
+            </a:prstGeom>
+            <a:ln w="38100">
+              <a:solidFill>
+                <a:schemeClr val="bg1"/>
+              </a:solidFill>
+            </a:ln>
+          </p:spPr>
+          <p:style>
+            <a:lnRef idx="1">
+              <a:schemeClr val="accent1"/>
+            </a:lnRef>
+            <a:fillRef idx="0">
+              <a:schemeClr val="accent1"/>
+            </a:fillRef>
+            <a:effectRef idx="0">
+              <a:schemeClr val="accent1"/>
+            </a:effectRef>
+            <a:fontRef idx="minor">
+              <a:schemeClr val="tx1"/>
+            </a:fontRef>
+          </p:style>
+        </p:cxnSp>
+        <p:cxnSp>
+          <p:nvCxnSpPr>
+            <p:cNvPr id="46" name="Gerader Verbinder 45"/>
+            <p:cNvCxnSpPr/>
+            <p:nvPr/>
+          </p:nvCxnSpPr>
+          <p:spPr>
+            <a:xfrm>
+              <a:off x="2159769" y="0"/>
+              <a:ext cx="0" cy="8999538"/>
+            </a:xfrm>
+            <a:prstGeom prst="line">
+              <a:avLst/>
+            </a:prstGeom>
+            <a:ln w="38100">
+              <a:solidFill>
+                <a:schemeClr val="bg1"/>
+              </a:solidFill>
+            </a:ln>
+          </p:spPr>
+          <p:style>
+            <a:lnRef idx="1">
+              <a:schemeClr val="accent1"/>
+            </a:lnRef>
+            <a:fillRef idx="0">
+              <a:schemeClr val="accent1"/>
+            </a:fillRef>
+            <a:effectRef idx="0">
+              <a:schemeClr val="accent1"/>
+            </a:effectRef>
+            <a:fontRef idx="minor">
+              <a:schemeClr val="tx1"/>
+            </a:fontRef>
+          </p:style>
+        </p:cxnSp>
+        <p:cxnSp>
+          <p:nvCxnSpPr>
+            <p:cNvPr id="47" name="Gerader Verbinder 46"/>
+            <p:cNvCxnSpPr/>
+            <p:nvPr/>
+          </p:nvCxnSpPr>
+          <p:spPr>
+            <a:xfrm>
+              <a:off x="4499769" y="-1590"/>
+              <a:ext cx="0" cy="8999538"/>
+            </a:xfrm>
+            <a:prstGeom prst="line">
+              <a:avLst/>
+            </a:prstGeom>
+            <a:ln w="38100">
+              <a:solidFill>
+                <a:schemeClr val="bg1"/>
+              </a:solidFill>
+            </a:ln>
+          </p:spPr>
+          <p:style>
+            <a:lnRef idx="1">
+              <a:schemeClr val="accent1"/>
+            </a:lnRef>
+            <a:fillRef idx="0">
+              <a:schemeClr val="accent1"/>
+            </a:fillRef>
+            <a:effectRef idx="0">
+              <a:schemeClr val="accent1"/>
+            </a:effectRef>
+            <a:fontRef idx="minor">
+              <a:schemeClr val="tx1"/>
+            </a:fontRef>
+          </p:style>
+        </p:cxnSp>
+        <p:cxnSp>
+          <p:nvCxnSpPr>
+            <p:cNvPr id="48" name="Gerader Verbinder 47"/>
+            <p:cNvCxnSpPr/>
+            <p:nvPr/>
+          </p:nvCxnSpPr>
+          <p:spPr>
+            <a:xfrm rot="5400000">
+              <a:off x="4499769" y="-14107"/>
+              <a:ext cx="0" cy="8999538"/>
+            </a:xfrm>
+            <a:prstGeom prst="line">
+              <a:avLst/>
+            </a:prstGeom>
+            <a:ln w="38100">
+              <a:solidFill>
+                <a:schemeClr val="bg1"/>
+              </a:solidFill>
+            </a:ln>
+          </p:spPr>
+          <p:style>
+            <a:lnRef idx="1">
+              <a:schemeClr val="accent1"/>
+            </a:lnRef>
+            <a:fillRef idx="0">
+              <a:schemeClr val="accent1"/>
+            </a:fillRef>
+            <a:effectRef idx="0">
+              <a:schemeClr val="accent1"/>
+            </a:effectRef>
+            <a:fontRef idx="minor">
+              <a:schemeClr val="tx1"/>
+            </a:fontRef>
+          </p:style>
+        </p:cxnSp>
+      </p:grpSp>
+      <p:sp>
+        <p:nvSpPr>
+          <p:cNvPr id="36" name="Rechteck 35"/>
+          <p:cNvSpPr/>
+          <p:nvPr/>
+        </p:nvSpPr>
+        <p:spPr>
+          <a:xfrm>
+            <a:off x="0" y="0"/>
+            <a:ext cx="8999538" cy="8999538"/>
+          </a:xfrm>
+          <a:prstGeom prst="rect">
+            <a:avLst/>
+          </a:prstGeom>
+          <a:noFill/>
+          <a:ln>
+            <a:noFill/>
+          </a:ln>
+        </p:spPr>
+        <p:style>
+          <a:lnRef idx="2">
+            <a:schemeClr val="accent1">
+              <a:shade val="50000"/>
+            </a:schemeClr>
+          </a:lnRef>
+          <a:fillRef idx="1">
+            <a:schemeClr val="accent1"/>
+          </a:fillRef>
+          <a:effectRef idx="0">
+            <a:schemeClr val="accent1"/>
+          </a:effectRef>
+          <a:fontRef idx="minor">
+            <a:schemeClr val="lt1"/>
+          </a:fontRef>
+        </p:style>
+        <p:txBody>
+          <a:bodyPr rtlCol="0" anchor="ctr"/>
+          <a:lstStyle/>
+          <a:p>
+            <a:pPr algn="ctr"/>
+            <a:endParaRPr lang="de-DE" sz="1360"/>
+          </a:p>
+        </p:txBody>
+      </p:sp>
+    </p:spTree>
+    <p:extLst>
+      <p:ext uri="{BB962C8B-B14F-4D97-AF65-F5344CB8AC3E}">
+        <p14:creationId xmlns:p14="http://schemas.microsoft.com/office/powerpoint/2010/main" val="2518892323"/>
+      </p:ext>
+    </p:extLst>
+  </p:cSld>
+  <p:clrMapOvr>
+    <a:masterClrMapping/>
+  </p:clrMapOvr>
+  <p:timing>
+    <p:tnLst>
+      <p:par>
+        <p:cTn id="1" dur="indefinite" restart="never" nodeType="tmRoot"/>
+      </p:par>
+    </p:tnLst>
+  </p:timing>
+</p:sld>
+</file>
+
 <file path=ppt/theme/theme1.xml><?xml version="1.0" encoding="utf-8"?>
 <a:theme xmlns:a="http://schemas.openxmlformats.org/drawingml/2006/main" name="Office Theme">
   <a:themeElements>
@@ -4928,7 +5791,7 @@
   <a:extraClrSchemeLst/>
   <a:extLst>
     <a:ext uri="{05A4C25C-085E-4340-85A3-A5531E510DB2}">
-      <thm15:themeFamily xmlns:thm15="http://schemas.microsoft.com/office/thememl/2012/main" name="Office Theme" id="{62F939B6-93AF-4DB8-9C6B-D6C7DFDC589F}" vid="{4A3C46E8-61CC-4603-A589-7422A47A8E4A}"/>
+      <thm15:themeFamily xmlns:thm15="http://schemas.microsoft.com/office/thememl/2012/main" xmlns="" name="Office Theme" id="{62F939B6-93AF-4DB8-9C6B-D6C7DFDC589F}" vid="{4A3C46E8-61CC-4603-A589-7422A47A8E4A}"/>
     </a:ext>
   </a:extLst>
 </a:theme>
